--- a/RA-L/pictures/pdf/graphrobo.pptx
+++ b/RA-L/pictures/pdf/graphrobo.pptx
@@ -238,7 +238,7 @@
           <a:p>
             <a:fld id="{03D963E1-039C-4781-AB6D-4A838932A1E4}" type="datetimeFigureOut">
               <a:rPr lang="en-US" smtClean="0"/>
-              <a:t>1/28/16</a:t>
+              <a:t>9/2/16</a:t>
             </a:fld>
             <a:endParaRPr lang="en-US"/>
           </a:p>
@@ -408,7 +408,7 @@
           <a:p>
             <a:fld id="{03D963E1-039C-4781-AB6D-4A838932A1E4}" type="datetimeFigureOut">
               <a:rPr lang="en-US" smtClean="0"/>
-              <a:t>1/28/16</a:t>
+              <a:t>9/2/16</a:t>
             </a:fld>
             <a:endParaRPr lang="en-US"/>
           </a:p>
@@ -588,7 +588,7 @@
           <a:p>
             <a:fld id="{03D963E1-039C-4781-AB6D-4A838932A1E4}" type="datetimeFigureOut">
               <a:rPr lang="en-US" smtClean="0"/>
-              <a:t>1/28/16</a:t>
+              <a:t>9/2/16</a:t>
             </a:fld>
             <a:endParaRPr lang="en-US"/>
           </a:p>
@@ -758,7 +758,7 @@
           <a:p>
             <a:fld id="{03D963E1-039C-4781-AB6D-4A838932A1E4}" type="datetimeFigureOut">
               <a:rPr lang="en-US" smtClean="0"/>
-              <a:t>1/28/16</a:t>
+              <a:t>9/2/16</a:t>
             </a:fld>
             <a:endParaRPr lang="en-US"/>
           </a:p>
@@ -1004,7 +1004,7 @@
           <a:p>
             <a:fld id="{03D963E1-039C-4781-AB6D-4A838932A1E4}" type="datetimeFigureOut">
               <a:rPr lang="en-US" smtClean="0"/>
-              <a:t>1/28/16</a:t>
+              <a:t>9/2/16</a:t>
             </a:fld>
             <a:endParaRPr lang="en-US"/>
           </a:p>
@@ -1236,7 +1236,7 @@
           <a:p>
             <a:fld id="{03D963E1-039C-4781-AB6D-4A838932A1E4}" type="datetimeFigureOut">
               <a:rPr lang="en-US" smtClean="0"/>
-              <a:t>1/28/16</a:t>
+              <a:t>9/2/16</a:t>
             </a:fld>
             <a:endParaRPr lang="en-US"/>
           </a:p>
@@ -1603,7 +1603,7 @@
           <a:p>
             <a:fld id="{03D963E1-039C-4781-AB6D-4A838932A1E4}" type="datetimeFigureOut">
               <a:rPr lang="en-US" smtClean="0"/>
-              <a:t>1/28/16</a:t>
+              <a:t>9/2/16</a:t>
             </a:fld>
             <a:endParaRPr lang="en-US"/>
           </a:p>
@@ -1721,7 +1721,7 @@
           <a:p>
             <a:fld id="{03D963E1-039C-4781-AB6D-4A838932A1E4}" type="datetimeFigureOut">
               <a:rPr lang="en-US" smtClean="0"/>
-              <a:t>1/28/16</a:t>
+              <a:t>9/2/16</a:t>
             </a:fld>
             <a:endParaRPr lang="en-US"/>
           </a:p>
@@ -1816,7 +1816,7 @@
           <a:p>
             <a:fld id="{03D963E1-039C-4781-AB6D-4A838932A1E4}" type="datetimeFigureOut">
               <a:rPr lang="en-US" smtClean="0"/>
-              <a:t>1/28/16</a:t>
+              <a:t>9/2/16</a:t>
             </a:fld>
             <a:endParaRPr lang="en-US"/>
           </a:p>
@@ -2093,7 +2093,7 @@
           <a:p>
             <a:fld id="{03D963E1-039C-4781-AB6D-4A838932A1E4}" type="datetimeFigureOut">
               <a:rPr lang="en-US" smtClean="0"/>
-              <a:t>1/28/16</a:t>
+              <a:t>9/2/16</a:t>
             </a:fld>
             <a:endParaRPr lang="en-US"/>
           </a:p>
@@ -2346,7 +2346,7 @@
           <a:p>
             <a:fld id="{03D963E1-039C-4781-AB6D-4A838932A1E4}" type="datetimeFigureOut">
               <a:rPr lang="en-US" smtClean="0"/>
-              <a:t>1/28/16</a:t>
+              <a:t>9/2/16</a:t>
             </a:fld>
             <a:endParaRPr lang="en-US"/>
           </a:p>
@@ -2559,7 +2559,7 @@
           <a:p>
             <a:fld id="{03D963E1-039C-4781-AB6D-4A838932A1E4}" type="datetimeFigureOut">
               <a:rPr lang="en-US" smtClean="0"/>
-              <a:t>1/28/16</a:t>
+              <a:t>9/2/16</a:t>
             </a:fld>
             <a:endParaRPr lang="en-US"/>
           </a:p>
@@ -3606,6 +3606,108 @@
           </a:prstGeom>
         </p:spPr>
       </p:pic>
+      <p:sp>
+        <p:nvSpPr>
+          <p:cNvPr id="2" name="Frame 1"/>
+          <p:cNvSpPr/>
+          <p:nvPr/>
+        </p:nvSpPr>
+        <p:spPr>
+          <a:xfrm>
+            <a:off x="3219449" y="95250"/>
+            <a:ext cx="2708275" cy="1441450"/>
+          </a:xfrm>
+          <a:prstGeom prst="frame">
+            <a:avLst>
+              <a:gd name="adj1" fmla="val 5671"/>
+            </a:avLst>
+          </a:prstGeom>
+          <a:solidFill>
+            <a:srgbClr val="FC028B"/>
+          </a:solidFill>
+          <a:ln>
+            <a:noFill/>
+          </a:ln>
+          <a:effectLst/>
+        </p:spPr>
+        <p:style>
+          <a:lnRef idx="1">
+            <a:schemeClr val="accent1"/>
+          </a:lnRef>
+          <a:fillRef idx="3">
+            <a:schemeClr val="accent1"/>
+          </a:fillRef>
+          <a:effectRef idx="2">
+            <a:schemeClr val="accent1"/>
+          </a:effectRef>
+          <a:fontRef idx="minor">
+            <a:schemeClr val="lt1"/>
+          </a:fontRef>
+        </p:style>
+        <p:txBody>
+          <a:bodyPr rtlCol="0" anchor="ctr"/>
+          <a:lstStyle/>
+          <a:p>
+            <a:pPr algn="ctr"/>
+            <a:endParaRPr lang="en-US">
+              <a:solidFill>
+                <a:schemeClr val="tx1"/>
+              </a:solidFill>
+            </a:endParaRPr>
+          </a:p>
+        </p:txBody>
+      </p:sp>
+      <p:sp>
+        <p:nvSpPr>
+          <p:cNvPr id="27" name="Frame 26"/>
+          <p:cNvSpPr/>
+          <p:nvPr/>
+        </p:nvSpPr>
+        <p:spPr>
+          <a:xfrm>
+            <a:off x="6380692" y="111113"/>
+            <a:ext cx="2677584" cy="1425587"/>
+          </a:xfrm>
+          <a:prstGeom prst="frame">
+            <a:avLst>
+              <a:gd name="adj1" fmla="val 5671"/>
+            </a:avLst>
+          </a:prstGeom>
+          <a:solidFill>
+            <a:srgbClr val="FC028B"/>
+          </a:solidFill>
+          <a:ln>
+            <a:noFill/>
+          </a:ln>
+          <a:effectLst/>
+        </p:spPr>
+        <p:style>
+          <a:lnRef idx="1">
+            <a:schemeClr val="accent1"/>
+          </a:lnRef>
+          <a:fillRef idx="3">
+            <a:schemeClr val="accent1"/>
+          </a:fillRef>
+          <a:effectRef idx="2">
+            <a:schemeClr val="accent1"/>
+          </a:effectRef>
+          <a:fontRef idx="minor">
+            <a:schemeClr val="lt1"/>
+          </a:fontRef>
+        </p:style>
+        <p:txBody>
+          <a:bodyPr rtlCol="0" anchor="ctr"/>
+          <a:lstStyle/>
+          <a:p>
+            <a:pPr algn="ctr"/>
+            <a:endParaRPr lang="en-US">
+              <a:solidFill>
+                <a:schemeClr val="tx1"/>
+              </a:solidFill>
+            </a:endParaRPr>
+          </a:p>
+        </p:txBody>
+      </p:sp>
     </p:spTree>
     <p:extLst>
       <p:ext uri="{BB962C8B-B14F-4D97-AF65-F5344CB8AC3E}">
@@ -3881,7 +3983,7 @@
   <a:extraClrSchemeLst/>
   <a:extLst>
     <a:ext uri="{05A4C25C-085E-4340-85A3-A5531E510DB2}">
-      <thm15:themeFamily xmlns="" xmlns:thm15="http://schemas.microsoft.com/office/thememl/2012/main" name="Office Theme" id="{62F939B6-93AF-4DB8-9C6B-D6C7DFDC589F}" vid="{4A3C46E8-61CC-4603-A589-7422A47A8E4A}"/>
+      <thm15:themeFamily xmlns:thm15="http://schemas.microsoft.com/office/thememl/2012/main" xmlns="" name="Office Theme" id="{62F939B6-93AF-4DB8-9C6B-D6C7DFDC589F}" vid="{4A3C46E8-61CC-4603-A589-7422A47A8E4A}"/>
     </a:ext>
   </a:extLst>
 </a:theme>

--- a/RA-L/pictures/pdf/graphrobo.pptx
+++ b/RA-L/pictures/pdf/graphrobo.pptx
@@ -238,7 +238,7 @@
           <a:p>
             <a:fld id="{03D963E1-039C-4781-AB6D-4A838932A1E4}" type="datetimeFigureOut">
               <a:rPr lang="en-US" smtClean="0"/>
-              <a:t>9/2/16</a:t>
+              <a:t>12/7/16</a:t>
             </a:fld>
             <a:endParaRPr lang="en-US"/>
           </a:p>
@@ -408,7 +408,7 @@
           <a:p>
             <a:fld id="{03D963E1-039C-4781-AB6D-4A838932A1E4}" type="datetimeFigureOut">
               <a:rPr lang="en-US" smtClean="0"/>
-              <a:t>9/2/16</a:t>
+              <a:t>12/7/16</a:t>
             </a:fld>
             <a:endParaRPr lang="en-US"/>
           </a:p>
@@ -588,7 +588,7 @@
           <a:p>
             <a:fld id="{03D963E1-039C-4781-AB6D-4A838932A1E4}" type="datetimeFigureOut">
               <a:rPr lang="en-US" smtClean="0"/>
-              <a:t>9/2/16</a:t>
+              <a:t>12/7/16</a:t>
             </a:fld>
             <a:endParaRPr lang="en-US"/>
           </a:p>
@@ -758,7 +758,7 @@
           <a:p>
             <a:fld id="{03D963E1-039C-4781-AB6D-4A838932A1E4}" type="datetimeFigureOut">
               <a:rPr lang="en-US" smtClean="0"/>
-              <a:t>9/2/16</a:t>
+              <a:t>12/7/16</a:t>
             </a:fld>
             <a:endParaRPr lang="en-US"/>
           </a:p>
@@ -1004,7 +1004,7 @@
           <a:p>
             <a:fld id="{03D963E1-039C-4781-AB6D-4A838932A1E4}" type="datetimeFigureOut">
               <a:rPr lang="en-US" smtClean="0"/>
-              <a:t>9/2/16</a:t>
+              <a:t>12/7/16</a:t>
             </a:fld>
             <a:endParaRPr lang="en-US"/>
           </a:p>
@@ -1236,7 +1236,7 @@
           <a:p>
             <a:fld id="{03D963E1-039C-4781-AB6D-4A838932A1E4}" type="datetimeFigureOut">
               <a:rPr lang="en-US" smtClean="0"/>
-              <a:t>9/2/16</a:t>
+              <a:t>12/7/16</a:t>
             </a:fld>
             <a:endParaRPr lang="en-US"/>
           </a:p>
@@ -1603,7 +1603,7 @@
           <a:p>
             <a:fld id="{03D963E1-039C-4781-AB6D-4A838932A1E4}" type="datetimeFigureOut">
               <a:rPr lang="en-US" smtClean="0"/>
-              <a:t>9/2/16</a:t>
+              <a:t>12/7/16</a:t>
             </a:fld>
             <a:endParaRPr lang="en-US"/>
           </a:p>
@@ -1721,7 +1721,7 @@
           <a:p>
             <a:fld id="{03D963E1-039C-4781-AB6D-4A838932A1E4}" type="datetimeFigureOut">
               <a:rPr lang="en-US" smtClean="0"/>
-              <a:t>9/2/16</a:t>
+              <a:t>12/7/16</a:t>
             </a:fld>
             <a:endParaRPr lang="en-US"/>
           </a:p>
@@ -1816,7 +1816,7 @@
           <a:p>
             <a:fld id="{03D963E1-039C-4781-AB6D-4A838932A1E4}" type="datetimeFigureOut">
               <a:rPr lang="en-US" smtClean="0"/>
-              <a:t>9/2/16</a:t>
+              <a:t>12/7/16</a:t>
             </a:fld>
             <a:endParaRPr lang="en-US"/>
           </a:p>
@@ -2093,7 +2093,7 @@
           <a:p>
             <a:fld id="{03D963E1-039C-4781-AB6D-4A838932A1E4}" type="datetimeFigureOut">
               <a:rPr lang="en-US" smtClean="0"/>
-              <a:t>9/2/16</a:t>
+              <a:t>12/7/16</a:t>
             </a:fld>
             <a:endParaRPr lang="en-US"/>
           </a:p>
@@ -2346,7 +2346,7 @@
           <a:p>
             <a:fld id="{03D963E1-039C-4781-AB6D-4A838932A1E4}" type="datetimeFigureOut">
               <a:rPr lang="en-US" smtClean="0"/>
-              <a:t>9/2/16</a:t>
+              <a:t>12/7/16</a:t>
             </a:fld>
             <a:endParaRPr lang="en-US"/>
           </a:p>
@@ -2559,7 +2559,7 @@
           <a:p>
             <a:fld id="{03D963E1-039C-4781-AB6D-4A838932A1E4}" type="datetimeFigureOut">
               <a:rPr lang="en-US" smtClean="0"/>
-              <a:t>9/2/16</a:t>
+              <a:t>12/7/16</a:t>
             </a:fld>
             <a:endParaRPr lang="en-US"/>
           </a:p>
@@ -3128,18 +3128,25 @@
               <a:buNone/>
             </a:pPr>
             <a:r>
-              <a:rPr lang="el-GR" sz="2200" dirty="0">
+              <a:rPr lang="el-GR" sz="2200" i="1" smtClean="0">
+                <a:latin typeface="Times New Roman"/>
+                <a:cs typeface="Times New Roman"/>
+              </a:rPr>
+              <a:t>ϵ</a:t>
+            </a:r>
+            <a:r>
+              <a:rPr lang="en-US" sz="2200" dirty="0" smtClean="0">
                 <a:latin typeface="Times New Roman" panose="02020603050405020304" pitchFamily="18" charset="0"/>
                 <a:cs typeface="Times New Roman" panose="02020603050405020304" pitchFamily="18" charset="0"/>
               </a:rPr>
-              <a:t>ε</a:t>
+              <a:t>, </a:t>
             </a:r>
             <a:r>
               <a:rPr lang="en-US" sz="2200" dirty="0">
                 <a:latin typeface="Times New Roman" panose="02020603050405020304" pitchFamily="18" charset="0"/>
                 <a:cs typeface="Times New Roman" panose="02020603050405020304" pitchFamily="18" charset="0"/>
               </a:rPr>
-              <a:t>, Minimum Clearance </a:t>
+              <a:t>Minimum Clearance </a:t>
             </a:r>
           </a:p>
         </p:txBody>
@@ -3983,7 +3990,7 @@
   <a:extraClrSchemeLst/>
   <a:extLst>
     <a:ext uri="{05A4C25C-085E-4340-85A3-A5531E510DB2}">
-      <thm15:themeFamily xmlns:thm15="http://schemas.microsoft.com/office/thememl/2012/main" xmlns="" name="Office Theme" id="{62F939B6-93AF-4DB8-9C6B-D6C7DFDC589F}" vid="{4A3C46E8-61CC-4603-A589-7422A47A8E4A}"/>
+      <thm15:themeFamily xmlns="" xmlns:thm15="http://schemas.microsoft.com/office/thememl/2012/main" name="Office Theme" id="{62F939B6-93AF-4DB8-9C6B-D6C7DFDC589F}" vid="{4A3C46E8-61CC-4603-A589-7422A47A8E4A}"/>
     </a:ext>
   </a:extLst>
 </a:theme>
